--- a/Memorah_presentation.pptx
+++ b/Memorah_presentation.pptx
@@ -5,18 +5,20 @@
     <p:sldMasterId id="2147483648" r:id="rId1"/>
   </p:sldMasterIdLst>
   <p:notesMasterIdLst>
-    <p:notesMasterId r:id="rId11"/>
+    <p:notesMasterId r:id="rId13"/>
   </p:notesMasterIdLst>
   <p:sldIdLst>
     <p:sldId id="256" r:id="rId2"/>
     <p:sldId id="258" r:id="rId3"/>
-    <p:sldId id="259" r:id="rId4"/>
-    <p:sldId id="260" r:id="rId5"/>
-    <p:sldId id="262" r:id="rId6"/>
-    <p:sldId id="264" r:id="rId7"/>
-    <p:sldId id="265" r:id="rId8"/>
-    <p:sldId id="263" r:id="rId9"/>
-    <p:sldId id="261" r:id="rId10"/>
+    <p:sldId id="267" r:id="rId4"/>
+    <p:sldId id="259" r:id="rId5"/>
+    <p:sldId id="260" r:id="rId6"/>
+    <p:sldId id="262" r:id="rId7"/>
+    <p:sldId id="264" r:id="rId8"/>
+    <p:sldId id="265" r:id="rId9"/>
+    <p:sldId id="263" r:id="rId10"/>
+    <p:sldId id="261" r:id="rId11"/>
+    <p:sldId id="266" r:id="rId12"/>
   </p:sldIdLst>
   <p:sldSz cx="12192000" cy="6858000"/>
   <p:notesSz cx="6858000" cy="9144000"/>
@@ -4517,6 +4519,267 @@
 </p:sld>
 </file>
 
+<file path=ppt/slides/slide10.xml><?xml version="1.0" encoding="utf-8"?>
+<p:sld xmlns:a="http://schemas.openxmlformats.org/drawingml/2006/main" xmlns:r="http://schemas.openxmlformats.org/officeDocument/2006/relationships" xmlns:p="http://schemas.openxmlformats.org/presentationml/2006/main">
+  <p:cSld>
+    <p:spTree>
+      <p:nvGrpSpPr>
+        <p:cNvPr id="1" name=""/>
+        <p:cNvGrpSpPr/>
+        <p:nvPr/>
+      </p:nvGrpSpPr>
+      <p:grpSpPr>
+        <a:xfrm>
+          <a:off x="0" y="0"/>
+          <a:ext cx="0" cy="0"/>
+          <a:chOff x="0" y="0"/>
+          <a:chExt cx="0" cy="0"/>
+        </a:xfrm>
+      </p:grpSpPr>
+      <p:sp>
+        <p:nvSpPr>
+          <p:cNvPr id="4" name="Espace réservé du numéro de diapositive 3">
+            <a:extLst>
+              <a:ext uri="{FF2B5EF4-FFF2-40B4-BE49-F238E27FC236}">
+                <a16:creationId xmlns:a16="http://schemas.microsoft.com/office/drawing/2014/main" id="{B7A71D56-7C4B-4C2C-B829-DD234D21B826}"/>
+              </a:ext>
+            </a:extLst>
+          </p:cNvPr>
+          <p:cNvSpPr>
+            <a:spLocks noGrp="1"/>
+          </p:cNvSpPr>
+          <p:nvPr>
+            <p:ph type="sldNum" sz="quarter" idx="12"/>
+          </p:nvPr>
+        </p:nvSpPr>
+        <p:spPr/>
+        <p:txBody>
+          <a:bodyPr/>
+          <a:lstStyle/>
+          <a:p>
+            <a:fld id="{69E57DC2-970A-4B3E-BB1C-7A09969E49DF}" type="slidenum">
+              <a:rPr lang="en-US" smtClean="0"/>
+              <a:t>10</a:t>
+            </a:fld>
+            <a:endParaRPr lang="en-US" dirty="0"/>
+          </a:p>
+        </p:txBody>
+      </p:sp>
+      <p:pic>
+        <p:nvPicPr>
+          <p:cNvPr id="5" name="Image 4">
+            <a:extLst>
+              <a:ext uri="{FF2B5EF4-FFF2-40B4-BE49-F238E27FC236}">
+                <a16:creationId xmlns:a16="http://schemas.microsoft.com/office/drawing/2014/main" id="{CED65DEC-2117-48E6-8A01-DD5FD6F91F6C}"/>
+              </a:ext>
+            </a:extLst>
+          </p:cNvPr>
+          <p:cNvPicPr>
+            <a:picLocks noChangeAspect="1"/>
+          </p:cNvPicPr>
+          <p:nvPr/>
+        </p:nvPicPr>
+        <p:blipFill>
+          <a:blip r:embed="rId2"/>
+          <a:stretch>
+            <a:fillRect/>
+          </a:stretch>
+        </p:blipFill>
+        <p:spPr>
+          <a:xfrm>
+            <a:off x="6832129" y="175535"/>
+            <a:ext cx="3829584" cy="6287377"/>
+          </a:xfrm>
+          <a:prstGeom prst="rect">
+            <a:avLst/>
+          </a:prstGeom>
+        </p:spPr>
+      </p:pic>
+      <p:pic>
+        <p:nvPicPr>
+          <p:cNvPr id="7" name="Image 6">
+            <a:extLst>
+              <a:ext uri="{FF2B5EF4-FFF2-40B4-BE49-F238E27FC236}">
+                <a16:creationId xmlns:a16="http://schemas.microsoft.com/office/drawing/2014/main" id="{FEF81DA7-0B42-4E10-AFFC-4CCDD69B981E}"/>
+              </a:ext>
+            </a:extLst>
+          </p:cNvPr>
+          <p:cNvPicPr>
+            <a:picLocks noChangeAspect="1"/>
+          </p:cNvPicPr>
+          <p:nvPr/>
+        </p:nvPicPr>
+        <p:blipFill>
+          <a:blip r:embed="rId3"/>
+          <a:stretch>
+            <a:fillRect/>
+          </a:stretch>
+        </p:blipFill>
+        <p:spPr>
+          <a:xfrm>
+            <a:off x="1863358" y="175535"/>
+            <a:ext cx="3801005" cy="6277851"/>
+          </a:xfrm>
+          <a:prstGeom prst="rect">
+            <a:avLst/>
+          </a:prstGeom>
+        </p:spPr>
+      </p:pic>
+    </p:spTree>
+    <p:extLst>
+      <p:ext uri="{BB962C8B-B14F-4D97-AF65-F5344CB8AC3E}">
+        <p14:creationId xmlns:p14="http://schemas.microsoft.com/office/powerpoint/2010/main" val="514209290"/>
+      </p:ext>
+    </p:extLst>
+  </p:cSld>
+  <p:clrMapOvr>
+    <a:masterClrMapping/>
+  </p:clrMapOvr>
+  <p:transition spd="slow">
+    <p:push dir="u"/>
+  </p:transition>
+</p:sld>
+</file>
+
+<file path=ppt/slides/slide11.xml><?xml version="1.0" encoding="utf-8"?>
+<p:sld xmlns:a="http://schemas.openxmlformats.org/drawingml/2006/main" xmlns:r="http://schemas.openxmlformats.org/officeDocument/2006/relationships" xmlns:p="http://schemas.openxmlformats.org/presentationml/2006/main">
+  <p:cSld>
+    <p:spTree>
+      <p:nvGrpSpPr>
+        <p:cNvPr id="1" name=""/>
+        <p:cNvGrpSpPr/>
+        <p:nvPr/>
+      </p:nvGrpSpPr>
+      <p:grpSpPr>
+        <a:xfrm>
+          <a:off x="0" y="0"/>
+          <a:ext cx="0" cy="0"/>
+          <a:chOff x="0" y="0"/>
+          <a:chExt cx="0" cy="0"/>
+        </a:xfrm>
+      </p:grpSpPr>
+      <p:sp>
+        <p:nvSpPr>
+          <p:cNvPr id="2" name="Titre 1">
+            <a:extLst>
+              <a:ext uri="{FF2B5EF4-FFF2-40B4-BE49-F238E27FC236}">
+                <a16:creationId xmlns:a16="http://schemas.microsoft.com/office/drawing/2014/main" id="{A9D5759A-0C18-4011-AFDC-7AF5317DBDDE}"/>
+              </a:ext>
+            </a:extLst>
+          </p:cNvPr>
+          <p:cNvSpPr>
+            <a:spLocks noGrp="1"/>
+          </p:cNvSpPr>
+          <p:nvPr>
+            <p:ph type="title"/>
+          </p:nvPr>
+        </p:nvSpPr>
+        <p:spPr/>
+        <p:txBody>
+          <a:bodyPr/>
+          <a:lstStyle/>
+          <a:p>
+            <a:r>
+              <a:rPr lang="fr-FR" dirty="0"/>
+              <a:t>Conclusion</a:t>
+            </a:r>
+          </a:p>
+        </p:txBody>
+      </p:sp>
+      <p:sp>
+        <p:nvSpPr>
+          <p:cNvPr id="3" name="Espace réservé du contenu 2">
+            <a:extLst>
+              <a:ext uri="{FF2B5EF4-FFF2-40B4-BE49-F238E27FC236}">
+                <a16:creationId xmlns:a16="http://schemas.microsoft.com/office/drawing/2014/main" id="{F8E552C0-28F0-4BAF-9622-56A04B958B99}"/>
+              </a:ext>
+            </a:extLst>
+          </p:cNvPr>
+          <p:cNvSpPr>
+            <a:spLocks noGrp="1"/>
+          </p:cNvSpPr>
+          <p:nvPr>
+            <p:ph idx="1"/>
+          </p:nvPr>
+        </p:nvSpPr>
+        <p:spPr/>
+        <p:txBody>
+          <a:bodyPr/>
+          <a:lstStyle/>
+          <a:p>
+            <a:r>
+              <a:rPr lang="fr-FR" dirty="0"/>
+              <a:t>Evolutions possibles</a:t>
+            </a:r>
+          </a:p>
+          <a:p>
+            <a:endParaRPr lang="fr-FR" dirty="0"/>
+          </a:p>
+          <a:p>
+            <a:r>
+              <a:rPr lang="fr-FR" dirty="0"/>
+              <a:t>Bilan Projet</a:t>
+            </a:r>
+          </a:p>
+          <a:p>
+            <a:endParaRPr lang="fr-FR" dirty="0"/>
+          </a:p>
+          <a:p>
+            <a:r>
+              <a:rPr lang="fr-FR" dirty="0"/>
+              <a:t>Bilan Personnel</a:t>
+            </a:r>
+          </a:p>
+          <a:p>
+            <a:endParaRPr lang="fr-FR" dirty="0"/>
+          </a:p>
+          <a:p>
+            <a:endParaRPr lang="fr-FR" dirty="0"/>
+          </a:p>
+        </p:txBody>
+      </p:sp>
+      <p:sp>
+        <p:nvSpPr>
+          <p:cNvPr id="4" name="Espace réservé du numéro de diapositive 3">
+            <a:extLst>
+              <a:ext uri="{FF2B5EF4-FFF2-40B4-BE49-F238E27FC236}">
+                <a16:creationId xmlns:a16="http://schemas.microsoft.com/office/drawing/2014/main" id="{D8E88D52-07CD-4670-8C09-A7A2C04538C7}"/>
+              </a:ext>
+            </a:extLst>
+          </p:cNvPr>
+          <p:cNvSpPr>
+            <a:spLocks noGrp="1"/>
+          </p:cNvSpPr>
+          <p:nvPr>
+            <p:ph type="sldNum" sz="quarter" idx="12"/>
+          </p:nvPr>
+        </p:nvSpPr>
+        <p:spPr/>
+        <p:txBody>
+          <a:bodyPr/>
+          <a:lstStyle/>
+          <a:p>
+            <a:fld id="{69E57DC2-970A-4B3E-BB1C-7A09969E49DF}" type="slidenum">
+              <a:rPr lang="en-US" smtClean="0"/>
+              <a:t>11</a:t>
+            </a:fld>
+            <a:endParaRPr lang="en-US" dirty="0"/>
+          </a:p>
+        </p:txBody>
+      </p:sp>
+    </p:spTree>
+    <p:extLst>
+      <p:ext uri="{BB962C8B-B14F-4D97-AF65-F5344CB8AC3E}">
+        <p14:creationId xmlns:p14="http://schemas.microsoft.com/office/powerpoint/2010/main" val="3297971650"/>
+      </p:ext>
+    </p:extLst>
+  </p:cSld>
+  <p:clrMapOvr>
+    <a:masterClrMapping/>
+  </p:clrMapOvr>
+</p:sld>
+</file>
+
 <file path=ppt/slides/slide2.xml><?xml version="1.0" encoding="utf-8"?>
 <p:sld xmlns:a="http://schemas.openxmlformats.org/drawingml/2006/main" xmlns:r="http://schemas.openxmlformats.org/officeDocument/2006/relationships" xmlns:p="http://schemas.openxmlformats.org/presentationml/2006/main">
   <p:cSld>
@@ -4663,6 +4926,40 @@
           </a:prstGeom>
         </p:spPr>
       </p:pic>
+      <p:sp>
+        <p:nvSpPr>
+          <p:cNvPr id="7" name="Titre 1">
+            <a:extLst>
+              <a:ext uri="{FF2B5EF4-FFF2-40B4-BE49-F238E27FC236}">
+                <a16:creationId xmlns:a16="http://schemas.microsoft.com/office/drawing/2014/main" id="{E3341D95-7CF3-4E6C-8800-8EDA63A7C342}"/>
+              </a:ext>
+            </a:extLst>
+          </p:cNvPr>
+          <p:cNvSpPr>
+            <a:spLocks noGrp="1"/>
+          </p:cNvSpPr>
+          <p:nvPr>
+            <p:ph type="title"/>
+          </p:nvPr>
+        </p:nvSpPr>
+        <p:spPr>
+          <a:xfrm>
+            <a:off x="1371600" y="685800"/>
+            <a:ext cx="9601200" cy="1485900"/>
+          </a:xfrm>
+        </p:spPr>
+        <p:txBody>
+          <a:bodyPr/>
+          <a:lstStyle/>
+          <a:p>
+            <a:pPr algn="ctr"/>
+            <a:r>
+              <a:rPr lang="fr-FR" dirty="0"/>
+              <a:t>Introduction</a:t>
+            </a:r>
+          </a:p>
+        </p:txBody>
+      </p:sp>
     </p:spTree>
     <p:extLst>
       <p:ext uri="{BB962C8B-B14F-4D97-AF65-F5344CB8AC3E}">
@@ -4695,10 +4992,38 @@
       </p:grpSpPr>
       <p:sp>
         <p:nvSpPr>
+          <p:cNvPr id="2" name="Titre 1">
+            <a:extLst>
+              <a:ext uri="{FF2B5EF4-FFF2-40B4-BE49-F238E27FC236}">
+                <a16:creationId xmlns:a16="http://schemas.microsoft.com/office/drawing/2014/main" id="{4323AA87-53F7-4D45-B7CE-F980A05EE7E1}"/>
+              </a:ext>
+            </a:extLst>
+          </p:cNvPr>
+          <p:cNvSpPr>
+            <a:spLocks noGrp="1"/>
+          </p:cNvSpPr>
+          <p:nvPr>
+            <p:ph type="title"/>
+          </p:nvPr>
+        </p:nvSpPr>
+        <p:spPr/>
+        <p:txBody>
+          <a:bodyPr/>
+          <a:lstStyle/>
+          <a:p>
+            <a:r>
+              <a:rPr lang="fr-FR" dirty="0"/>
+              <a:t>Parcours utilisateur</a:t>
+            </a:r>
+          </a:p>
+        </p:txBody>
+      </p:sp>
+      <p:sp>
+        <p:nvSpPr>
           <p:cNvPr id="4" name="Espace réservé du numéro de diapositive 3">
             <a:extLst>
               <a:ext uri="{FF2B5EF4-FFF2-40B4-BE49-F238E27FC236}">
-                <a16:creationId xmlns:a16="http://schemas.microsoft.com/office/drawing/2014/main" id="{23688E43-0421-4FF3-8911-3985D95EAFEA}"/>
+                <a16:creationId xmlns:a16="http://schemas.microsoft.com/office/drawing/2014/main" id="{BB860985-7FAA-4956-9E8F-7F9D218D073B}"/>
               </a:ext>
             </a:extLst>
           </p:cNvPr>
@@ -4724,10 +5049,10 @@
       </p:sp>
       <p:pic>
         <p:nvPicPr>
-          <p:cNvPr id="6" name="Image 5">
+          <p:cNvPr id="7" name="Image 6">
             <a:extLst>
               <a:ext uri="{FF2B5EF4-FFF2-40B4-BE49-F238E27FC236}">
-                <a16:creationId xmlns:a16="http://schemas.microsoft.com/office/drawing/2014/main" id="{937FBA76-8D19-4D95-B7A9-DF13E9CC150A}"/>
+                <a16:creationId xmlns:a16="http://schemas.microsoft.com/office/drawing/2014/main" id="{E5902452-F021-4905-A54D-F797F3F95412}"/>
               </a:ext>
             </a:extLst>
           </p:cNvPr>
@@ -4737,55 +5062,69 @@
           <p:nvPr/>
         </p:nvPicPr>
         <p:blipFill>
-          <a:blip r:embed="rId2"/>
+          <a:blip r:embed="rId2">
+            <a:clrChange>
+              <a:clrFrom>
+                <a:srgbClr val="FEF9F3"/>
+              </a:clrFrom>
+              <a:clrTo>
+                <a:srgbClr val="FEF9F3">
+                  <a:alpha val="0"/>
+                </a:srgbClr>
+              </a:clrTo>
+            </a:clrChange>
+          </a:blip>
           <a:stretch>
             <a:fillRect/>
           </a:stretch>
         </p:blipFill>
         <p:spPr>
           <a:xfrm>
-            <a:off x="7318690" y="285311"/>
-            <a:ext cx="3829584" cy="6287377"/>
+            <a:off x="3241990" y="1529299"/>
+            <a:ext cx="5708020" cy="3799401"/>
           </a:xfrm>
           <a:prstGeom prst="rect">
             <a:avLst/>
           </a:prstGeom>
         </p:spPr>
       </p:pic>
-      <p:pic>
-        <p:nvPicPr>
-          <p:cNvPr id="8" name="Image 7">
+      <p:sp>
+        <p:nvSpPr>
+          <p:cNvPr id="8" name="Espace réservé du contenu 2">
             <a:extLst>
               <a:ext uri="{FF2B5EF4-FFF2-40B4-BE49-F238E27FC236}">
-                <a16:creationId xmlns:a16="http://schemas.microsoft.com/office/drawing/2014/main" id="{13F13B7E-3BAE-448F-B18A-24B8FB7F1F06}"/>
+                <a16:creationId xmlns:a16="http://schemas.microsoft.com/office/drawing/2014/main" id="{68D7687A-FD02-4C12-A54C-3AD25117072A}"/>
               </a:ext>
             </a:extLst>
           </p:cNvPr>
-          <p:cNvPicPr>
-            <a:picLocks noChangeAspect="1"/>
-          </p:cNvPicPr>
-          <p:nvPr/>
-        </p:nvPicPr>
-        <p:blipFill>
-          <a:blip r:embed="rId3"/>
-          <a:stretch>
-            <a:fillRect/>
-          </a:stretch>
-        </p:blipFill>
-        <p:spPr>
-          <a:xfrm>
-            <a:off x="1943836" y="271021"/>
-            <a:ext cx="3858163" cy="6315956"/>
-          </a:xfrm>
-          <a:prstGeom prst="rect">
-            <a:avLst/>
-          </a:prstGeom>
-        </p:spPr>
-      </p:pic>
+          <p:cNvSpPr>
+            <a:spLocks noGrp="1"/>
+          </p:cNvSpPr>
+          <p:nvPr>
+            <p:ph idx="1"/>
+          </p:nvPr>
+        </p:nvSpPr>
+        <p:spPr>
+          <a:xfrm>
+            <a:off x="3241990" y="5641596"/>
+            <a:ext cx="5918433" cy="650147"/>
+          </a:xfrm>
+        </p:spPr>
+        <p:txBody>
+          <a:bodyPr/>
+          <a:lstStyle/>
+          <a:p>
+            <a:r>
+              <a:rPr lang="fr-FR" dirty="0"/>
+              <a:t>Gustave ~ 40 ans (cherche à se détendre)</a:t>
+            </a:r>
+          </a:p>
+        </p:txBody>
+      </p:sp>
     </p:spTree>
     <p:extLst>
       <p:ext uri="{BB962C8B-B14F-4D97-AF65-F5344CB8AC3E}">
-        <p14:creationId xmlns:p14="http://schemas.microsoft.com/office/powerpoint/2010/main" val="2713253391"/>
+        <p14:creationId xmlns:p14="http://schemas.microsoft.com/office/powerpoint/2010/main" val="391353804"/>
       </p:ext>
     </p:extLst>
   </p:cSld>
@@ -4817,7 +5156,7 @@
           <p:cNvPr id="4" name="Espace réservé du numéro de diapositive 3">
             <a:extLst>
               <a:ext uri="{FF2B5EF4-FFF2-40B4-BE49-F238E27FC236}">
-                <a16:creationId xmlns:a16="http://schemas.microsoft.com/office/drawing/2014/main" id="{816FFC80-1616-4DB7-9599-C76BA63FDDBD}"/>
+                <a16:creationId xmlns:a16="http://schemas.microsoft.com/office/drawing/2014/main" id="{23688E43-0421-4FF3-8911-3985D95EAFEA}"/>
               </a:ext>
             </a:extLst>
           </p:cNvPr>
@@ -4846,7 +5185,7 @@
           <p:cNvPr id="6" name="Image 5">
             <a:extLst>
               <a:ext uri="{FF2B5EF4-FFF2-40B4-BE49-F238E27FC236}">
-                <a16:creationId xmlns:a16="http://schemas.microsoft.com/office/drawing/2014/main" id="{7FBAD6B9-1045-4718-A677-FCF4E38C4762}"/>
+                <a16:creationId xmlns:a16="http://schemas.microsoft.com/office/drawing/2014/main" id="{937FBA76-8D19-4D95-B7A9-DF13E9CC150A}"/>
               </a:ext>
             </a:extLst>
           </p:cNvPr>
@@ -4863,8 +5202,8 @@
         </p:blipFill>
         <p:spPr>
           <a:xfrm>
-            <a:off x="1907633" y="290074"/>
-            <a:ext cx="3829584" cy="6277851"/>
+            <a:off x="7318690" y="285311"/>
+            <a:ext cx="3829584" cy="6287377"/>
           </a:xfrm>
           <a:prstGeom prst="rect">
             <a:avLst/>
@@ -4873,10 +5212,10 @@
       </p:pic>
       <p:pic>
         <p:nvPicPr>
-          <p:cNvPr id="10" name="Image 9">
+          <p:cNvPr id="8" name="Image 7">
             <a:extLst>
               <a:ext uri="{FF2B5EF4-FFF2-40B4-BE49-F238E27FC236}">
-                <a16:creationId xmlns:a16="http://schemas.microsoft.com/office/drawing/2014/main" id="{E60737B8-CA25-492E-BCF5-45C7F9874668}"/>
+                <a16:creationId xmlns:a16="http://schemas.microsoft.com/office/drawing/2014/main" id="{13F13B7E-3BAE-448F-B18A-24B8FB7F1F06}"/>
               </a:ext>
             </a:extLst>
           </p:cNvPr>
@@ -4893,8 +5232,8 @@
         </p:blipFill>
         <p:spPr>
           <a:xfrm>
-            <a:off x="7354119" y="290074"/>
-            <a:ext cx="3801005" cy="6268325"/>
+            <a:off x="1943836" y="271021"/>
+            <a:ext cx="3858163" cy="6315956"/>
           </a:xfrm>
           <a:prstGeom prst="rect">
             <a:avLst/>
@@ -4904,7 +5243,7 @@
     </p:spTree>
     <p:extLst>
       <p:ext uri="{BB962C8B-B14F-4D97-AF65-F5344CB8AC3E}">
-        <p14:creationId xmlns:p14="http://schemas.microsoft.com/office/powerpoint/2010/main" val="481025654"/>
+        <p14:creationId xmlns:p14="http://schemas.microsoft.com/office/powerpoint/2010/main" val="2713253391"/>
       </p:ext>
     </p:extLst>
   </p:cSld>
@@ -4936,7 +5275,7 @@
           <p:cNvPr id="4" name="Espace réservé du numéro de diapositive 3">
             <a:extLst>
               <a:ext uri="{FF2B5EF4-FFF2-40B4-BE49-F238E27FC236}">
-                <a16:creationId xmlns:a16="http://schemas.microsoft.com/office/drawing/2014/main" id="{D28E66FD-E485-4FAD-8522-AAD39B8B90C6}"/>
+                <a16:creationId xmlns:a16="http://schemas.microsoft.com/office/drawing/2014/main" id="{816FFC80-1616-4DB7-9599-C76BA63FDDBD}"/>
               </a:ext>
             </a:extLst>
           </p:cNvPr>
@@ -4965,7 +5304,7 @@
           <p:cNvPr id="6" name="Image 5">
             <a:extLst>
               <a:ext uri="{FF2B5EF4-FFF2-40B4-BE49-F238E27FC236}">
-                <a16:creationId xmlns:a16="http://schemas.microsoft.com/office/drawing/2014/main" id="{28EE99DA-C7AE-417C-AC21-F7861CEC5509}"/>
+                <a16:creationId xmlns:a16="http://schemas.microsoft.com/office/drawing/2014/main" id="{7FBAD6B9-1045-4718-A677-FCF4E38C4762}"/>
               </a:ext>
             </a:extLst>
           </p:cNvPr>
@@ -4982,8 +5321,8 @@
         </p:blipFill>
         <p:spPr>
           <a:xfrm>
-            <a:off x="1771079" y="313890"/>
-            <a:ext cx="3801005" cy="6239746"/>
+            <a:off x="1907633" y="290074"/>
+            <a:ext cx="3829584" cy="6277851"/>
           </a:xfrm>
           <a:prstGeom prst="rect">
             <a:avLst/>
@@ -4992,10 +5331,10 @@
       </p:pic>
       <p:pic>
         <p:nvPicPr>
-          <p:cNvPr id="8" name="Image 7">
+          <p:cNvPr id="10" name="Image 9">
             <a:extLst>
               <a:ext uri="{FF2B5EF4-FFF2-40B4-BE49-F238E27FC236}">
-                <a16:creationId xmlns:a16="http://schemas.microsoft.com/office/drawing/2014/main" id="{DEAD45F1-974F-4B11-90F7-E591B8217860}"/>
+                <a16:creationId xmlns:a16="http://schemas.microsoft.com/office/drawing/2014/main" id="{E60737B8-CA25-492E-BCF5-45C7F9874668}"/>
               </a:ext>
             </a:extLst>
           </p:cNvPr>
@@ -5012,8 +5351,8 @@
         </p:blipFill>
         <p:spPr>
           <a:xfrm>
-            <a:off x="6882129" y="313890"/>
-            <a:ext cx="3801005" cy="6249272"/>
+            <a:off x="7354119" y="290074"/>
+            <a:ext cx="3801005" cy="6268325"/>
           </a:xfrm>
           <a:prstGeom prst="rect">
             <a:avLst/>
@@ -5023,7 +5362,7 @@
     </p:spTree>
     <p:extLst>
       <p:ext uri="{BB962C8B-B14F-4D97-AF65-F5344CB8AC3E}">
-        <p14:creationId xmlns:p14="http://schemas.microsoft.com/office/powerpoint/2010/main" val="2654953878"/>
+        <p14:creationId xmlns:p14="http://schemas.microsoft.com/office/powerpoint/2010/main" val="481025654"/>
       </p:ext>
     </p:extLst>
   </p:cSld>
@@ -5055,7 +5394,7 @@
           <p:cNvPr id="4" name="Espace réservé du numéro de diapositive 3">
             <a:extLst>
               <a:ext uri="{FF2B5EF4-FFF2-40B4-BE49-F238E27FC236}">
-                <a16:creationId xmlns:a16="http://schemas.microsoft.com/office/drawing/2014/main" id="{3C3C922D-DF43-4CDB-95C2-0177C4F430C2}"/>
+                <a16:creationId xmlns:a16="http://schemas.microsoft.com/office/drawing/2014/main" id="{D28E66FD-E485-4FAD-8522-AAD39B8B90C6}"/>
               </a:ext>
             </a:extLst>
           </p:cNvPr>
@@ -5081,10 +5420,10 @@
       </p:sp>
       <p:pic>
         <p:nvPicPr>
-          <p:cNvPr id="8" name="Image 7">
+          <p:cNvPr id="6" name="Image 5">
             <a:extLst>
               <a:ext uri="{FF2B5EF4-FFF2-40B4-BE49-F238E27FC236}">
-                <a16:creationId xmlns:a16="http://schemas.microsoft.com/office/drawing/2014/main" id="{86C7B421-9524-49DD-BCF2-E1B1678A8BA2}"/>
+                <a16:creationId xmlns:a16="http://schemas.microsoft.com/office/drawing/2014/main" id="{28EE99DA-C7AE-417C-AC21-F7861CEC5509}"/>
               </a:ext>
             </a:extLst>
           </p:cNvPr>
@@ -5101,8 +5440,8 @@
         </p:blipFill>
         <p:spPr>
           <a:xfrm>
-            <a:off x="1761551" y="299601"/>
-            <a:ext cx="3820058" cy="6258798"/>
+            <a:off x="1771079" y="313890"/>
+            <a:ext cx="3801005" cy="6239746"/>
           </a:xfrm>
           <a:prstGeom prst="rect">
             <a:avLst/>
@@ -5111,10 +5450,10 @@
       </p:pic>
       <p:pic>
         <p:nvPicPr>
-          <p:cNvPr id="10" name="Image 9">
+          <p:cNvPr id="8" name="Image 7">
             <a:extLst>
               <a:ext uri="{FF2B5EF4-FFF2-40B4-BE49-F238E27FC236}">
-                <a16:creationId xmlns:a16="http://schemas.microsoft.com/office/drawing/2014/main" id="{F7275717-1B01-4178-8728-AA44ABC5F6A9}"/>
+                <a16:creationId xmlns:a16="http://schemas.microsoft.com/office/drawing/2014/main" id="{DEAD45F1-974F-4B11-90F7-E591B8217860}"/>
               </a:ext>
             </a:extLst>
           </p:cNvPr>
@@ -5131,8 +5470,8 @@
         </p:blipFill>
         <p:spPr>
           <a:xfrm>
-            <a:off x="6906493" y="194588"/>
-            <a:ext cx="3808064" cy="6258798"/>
+            <a:off x="6882129" y="313890"/>
+            <a:ext cx="3801005" cy="6249272"/>
           </a:xfrm>
           <a:prstGeom prst="rect">
             <a:avLst/>
@@ -5142,7 +5481,7 @@
     </p:spTree>
     <p:extLst>
       <p:ext uri="{BB962C8B-B14F-4D97-AF65-F5344CB8AC3E}">
-        <p14:creationId xmlns:p14="http://schemas.microsoft.com/office/powerpoint/2010/main" val="3548356233"/>
+        <p14:creationId xmlns:p14="http://schemas.microsoft.com/office/powerpoint/2010/main" val="2654953878"/>
       </p:ext>
     </p:extLst>
   </p:cSld>
@@ -5174,7 +5513,7 @@
           <p:cNvPr id="4" name="Espace réservé du numéro de diapositive 3">
             <a:extLst>
               <a:ext uri="{FF2B5EF4-FFF2-40B4-BE49-F238E27FC236}">
-                <a16:creationId xmlns:a16="http://schemas.microsoft.com/office/drawing/2014/main" id="{816FFC80-1616-4DB7-9599-C76BA63FDDBD}"/>
+                <a16:creationId xmlns:a16="http://schemas.microsoft.com/office/drawing/2014/main" id="{3C3C922D-DF43-4CDB-95C2-0177C4F430C2}"/>
               </a:ext>
             </a:extLst>
           </p:cNvPr>
@@ -5200,10 +5539,10 @@
       </p:sp>
       <p:pic>
         <p:nvPicPr>
-          <p:cNvPr id="6" name="Image 5">
+          <p:cNvPr id="8" name="Image 7">
             <a:extLst>
               <a:ext uri="{FF2B5EF4-FFF2-40B4-BE49-F238E27FC236}">
-                <a16:creationId xmlns:a16="http://schemas.microsoft.com/office/drawing/2014/main" id="{7FBAD6B9-1045-4718-A677-FCF4E38C4762}"/>
+                <a16:creationId xmlns:a16="http://schemas.microsoft.com/office/drawing/2014/main" id="{86C7B421-9524-49DD-BCF2-E1B1678A8BA2}"/>
               </a:ext>
             </a:extLst>
           </p:cNvPr>
@@ -5220,8 +5559,8 @@
         </p:blipFill>
         <p:spPr>
           <a:xfrm>
-            <a:off x="1907633" y="290074"/>
-            <a:ext cx="3829584" cy="6277851"/>
+            <a:off x="1761551" y="299601"/>
+            <a:ext cx="3820058" cy="6258798"/>
           </a:xfrm>
           <a:prstGeom prst="rect">
             <a:avLst/>
@@ -5233,7 +5572,7 @@
           <p:cNvPr id="10" name="Image 9">
             <a:extLst>
               <a:ext uri="{FF2B5EF4-FFF2-40B4-BE49-F238E27FC236}">
-                <a16:creationId xmlns:a16="http://schemas.microsoft.com/office/drawing/2014/main" id="{E60737B8-CA25-492E-BCF5-45C7F9874668}"/>
+                <a16:creationId xmlns:a16="http://schemas.microsoft.com/office/drawing/2014/main" id="{F7275717-1B01-4178-8728-AA44ABC5F6A9}"/>
               </a:ext>
             </a:extLst>
           </p:cNvPr>
@@ -5250,8 +5589,8 @@
         </p:blipFill>
         <p:spPr>
           <a:xfrm>
-            <a:off x="7354119" y="290074"/>
-            <a:ext cx="3801005" cy="6268325"/>
+            <a:off x="6906493" y="194588"/>
+            <a:ext cx="3808064" cy="6258798"/>
           </a:xfrm>
           <a:prstGeom prst="rect">
             <a:avLst/>
@@ -5261,7 +5600,7 @@
     </p:spTree>
     <p:extLst>
       <p:ext uri="{BB962C8B-B14F-4D97-AF65-F5344CB8AC3E}">
-        <p14:creationId xmlns:p14="http://schemas.microsoft.com/office/powerpoint/2010/main" val="2428021742"/>
+        <p14:creationId xmlns:p14="http://schemas.microsoft.com/office/powerpoint/2010/main" val="3548356233"/>
       </p:ext>
     </p:extLst>
   </p:cSld>
@@ -5293,7 +5632,7 @@
           <p:cNvPr id="4" name="Espace réservé du numéro de diapositive 3">
             <a:extLst>
               <a:ext uri="{FF2B5EF4-FFF2-40B4-BE49-F238E27FC236}">
-                <a16:creationId xmlns:a16="http://schemas.microsoft.com/office/drawing/2014/main" id="{23688E43-0421-4FF3-8911-3985D95EAFEA}"/>
+                <a16:creationId xmlns:a16="http://schemas.microsoft.com/office/drawing/2014/main" id="{816FFC80-1616-4DB7-9599-C76BA63FDDBD}"/>
               </a:ext>
             </a:extLst>
           </p:cNvPr>
@@ -5322,7 +5661,7 @@
           <p:cNvPr id="6" name="Image 5">
             <a:extLst>
               <a:ext uri="{FF2B5EF4-FFF2-40B4-BE49-F238E27FC236}">
-                <a16:creationId xmlns:a16="http://schemas.microsoft.com/office/drawing/2014/main" id="{937FBA76-8D19-4D95-B7A9-DF13E9CC150A}"/>
+                <a16:creationId xmlns:a16="http://schemas.microsoft.com/office/drawing/2014/main" id="{7FBAD6B9-1045-4718-A677-FCF4E38C4762}"/>
               </a:ext>
             </a:extLst>
           </p:cNvPr>
@@ -5339,8 +5678,38 @@
         </p:blipFill>
         <p:spPr>
           <a:xfrm>
-            <a:off x="4181208" y="285311"/>
-            <a:ext cx="3829584" cy="6287377"/>
+            <a:off x="1907633" y="290074"/>
+            <a:ext cx="3829584" cy="6277851"/>
+          </a:xfrm>
+          <a:prstGeom prst="rect">
+            <a:avLst/>
+          </a:prstGeom>
+        </p:spPr>
+      </p:pic>
+      <p:pic>
+        <p:nvPicPr>
+          <p:cNvPr id="10" name="Image 9">
+            <a:extLst>
+              <a:ext uri="{FF2B5EF4-FFF2-40B4-BE49-F238E27FC236}">
+                <a16:creationId xmlns:a16="http://schemas.microsoft.com/office/drawing/2014/main" id="{E60737B8-CA25-492E-BCF5-45C7F9874668}"/>
+              </a:ext>
+            </a:extLst>
+          </p:cNvPr>
+          <p:cNvPicPr>
+            <a:picLocks noChangeAspect="1"/>
+          </p:cNvPicPr>
+          <p:nvPr/>
+        </p:nvPicPr>
+        <p:blipFill>
+          <a:blip r:embed="rId3"/>
+          <a:stretch>
+            <a:fillRect/>
+          </a:stretch>
+        </p:blipFill>
+        <p:spPr>
+          <a:xfrm>
+            <a:off x="7354119" y="290074"/>
+            <a:ext cx="3801005" cy="6268325"/>
           </a:xfrm>
           <a:prstGeom prst="rect">
             <a:avLst/>
@@ -5350,7 +5719,7 @@
     </p:spTree>
     <p:extLst>
       <p:ext uri="{BB962C8B-B14F-4D97-AF65-F5344CB8AC3E}">
-        <p14:creationId xmlns:p14="http://schemas.microsoft.com/office/powerpoint/2010/main" val="563121954"/>
+        <p14:creationId xmlns:p14="http://schemas.microsoft.com/office/powerpoint/2010/main" val="2428021742"/>
       </p:ext>
     </p:extLst>
   </p:cSld>
@@ -5382,7 +5751,7 @@
           <p:cNvPr id="4" name="Espace réservé du numéro de diapositive 3">
             <a:extLst>
               <a:ext uri="{FF2B5EF4-FFF2-40B4-BE49-F238E27FC236}">
-                <a16:creationId xmlns:a16="http://schemas.microsoft.com/office/drawing/2014/main" id="{B7A71D56-7C4B-4C2C-B829-DD234D21B826}"/>
+                <a16:creationId xmlns:a16="http://schemas.microsoft.com/office/drawing/2014/main" id="{23688E43-0421-4FF3-8911-3985D95EAFEA}"/>
               </a:ext>
             </a:extLst>
           </p:cNvPr>
@@ -5408,10 +5777,10 @@
       </p:sp>
       <p:pic>
         <p:nvPicPr>
-          <p:cNvPr id="5" name="Image 4">
+          <p:cNvPr id="6" name="Image 5">
             <a:extLst>
               <a:ext uri="{FF2B5EF4-FFF2-40B4-BE49-F238E27FC236}">
-                <a16:creationId xmlns:a16="http://schemas.microsoft.com/office/drawing/2014/main" id="{CED65DEC-2117-48E6-8A01-DD5FD6F91F6C}"/>
+                <a16:creationId xmlns:a16="http://schemas.microsoft.com/office/drawing/2014/main" id="{937FBA76-8D19-4D95-B7A9-DF13E9CC150A}"/>
               </a:ext>
             </a:extLst>
           </p:cNvPr>
@@ -5428,38 +5797,8 @@
         </p:blipFill>
         <p:spPr>
           <a:xfrm>
-            <a:off x="6832129" y="175535"/>
+            <a:off x="4181208" y="285311"/>
             <a:ext cx="3829584" cy="6287377"/>
-          </a:xfrm>
-          <a:prstGeom prst="rect">
-            <a:avLst/>
-          </a:prstGeom>
-        </p:spPr>
-      </p:pic>
-      <p:pic>
-        <p:nvPicPr>
-          <p:cNvPr id="7" name="Image 6">
-            <a:extLst>
-              <a:ext uri="{FF2B5EF4-FFF2-40B4-BE49-F238E27FC236}">
-                <a16:creationId xmlns:a16="http://schemas.microsoft.com/office/drawing/2014/main" id="{FEF81DA7-0B42-4E10-AFFC-4CCDD69B981E}"/>
-              </a:ext>
-            </a:extLst>
-          </p:cNvPr>
-          <p:cNvPicPr>
-            <a:picLocks noChangeAspect="1"/>
-          </p:cNvPicPr>
-          <p:nvPr/>
-        </p:nvPicPr>
-        <p:blipFill>
-          <a:blip r:embed="rId3"/>
-          <a:stretch>
-            <a:fillRect/>
-          </a:stretch>
-        </p:blipFill>
-        <p:spPr>
-          <a:xfrm>
-            <a:off x="1863358" y="175535"/>
-            <a:ext cx="3801005" cy="6277851"/>
           </a:xfrm>
           <a:prstGeom prst="rect">
             <a:avLst/>
@@ -5469,7 +5808,7 @@
     </p:spTree>
     <p:extLst>
       <p:ext uri="{BB962C8B-B14F-4D97-AF65-F5344CB8AC3E}">
-        <p14:creationId xmlns:p14="http://schemas.microsoft.com/office/powerpoint/2010/main" val="514209290"/>
+        <p14:creationId xmlns:p14="http://schemas.microsoft.com/office/powerpoint/2010/main" val="563121954"/>
       </p:ext>
     </p:extLst>
   </p:cSld>
